--- a/20210705_1_파이썬 기초.pptx
+++ b/20210705_1_파이썬 기초.pptx
@@ -26979,7 +26979,7 @@
         </p:blipFill>
         <p:spPr bwMode="auto">
           <a:xfrm>
-            <a:off x="1116124" y="4041907"/>
+            <a:off x="1116124" y="3933056"/>
             <a:ext cx="4320480" cy="2687710"/>
           </a:xfrm>
           <a:prstGeom prst="rect">
@@ -27018,7 +27018,7 @@
         </p:nvSpPr>
         <p:spPr bwMode="auto">
           <a:xfrm>
-            <a:off x="5796136" y="4777512"/>
+            <a:off x="5796136" y="4668661"/>
             <a:ext cx="2457610" cy="697716"/>
           </a:xfrm>
           <a:prstGeom prst="wedgeEllipseCallout">
@@ -27130,7 +27130,7 @@
         </p:nvSpPr>
         <p:spPr bwMode="auto">
           <a:xfrm>
-            <a:off x="5796136" y="5517232"/>
+            <a:off x="5796136" y="5408381"/>
             <a:ext cx="2457610" cy="697716"/>
           </a:xfrm>
           <a:prstGeom prst="wedgeEllipseCallout">
